--- a/asp/unit-2/1_label_literal_textbox.pptx
+++ b/asp/unit-2/1_label_literal_textbox.pptx
@@ -251,7 +251,7 @@
           <a:p>
             <a:fld id="{2418B073-DBA7-4B5C-8A0A-F57DFBA507F6}" type="datetimeFigureOut">
               <a:rPr lang="en-US" smtClean="0"/>
-              <a:t>12/13/2021</a:t>
+              <a:t>12/14/2021</a:t>
             </a:fld>
             <a:endParaRPr lang="en-US"/>
           </a:p>
@@ -421,7 +421,7 @@
           <a:p>
             <a:fld id="{2418B073-DBA7-4B5C-8A0A-F57DFBA507F6}" type="datetimeFigureOut">
               <a:rPr lang="en-US" smtClean="0"/>
-              <a:t>12/13/2021</a:t>
+              <a:t>12/14/2021</a:t>
             </a:fld>
             <a:endParaRPr lang="en-US"/>
           </a:p>
@@ -601,7 +601,7 @@
           <a:p>
             <a:fld id="{2418B073-DBA7-4B5C-8A0A-F57DFBA507F6}" type="datetimeFigureOut">
               <a:rPr lang="en-US" smtClean="0"/>
-              <a:t>12/13/2021</a:t>
+              <a:t>12/14/2021</a:t>
             </a:fld>
             <a:endParaRPr lang="en-US"/>
           </a:p>
@@ -771,7 +771,7 @@
           <a:p>
             <a:fld id="{2418B073-DBA7-4B5C-8A0A-F57DFBA507F6}" type="datetimeFigureOut">
               <a:rPr lang="en-US" smtClean="0"/>
-              <a:t>12/13/2021</a:t>
+              <a:t>12/14/2021</a:t>
             </a:fld>
             <a:endParaRPr lang="en-US"/>
           </a:p>
@@ -1017,7 +1017,7 @@
           <a:p>
             <a:fld id="{2418B073-DBA7-4B5C-8A0A-F57DFBA507F6}" type="datetimeFigureOut">
               <a:rPr lang="en-US" smtClean="0"/>
-              <a:t>12/13/2021</a:t>
+              <a:t>12/14/2021</a:t>
             </a:fld>
             <a:endParaRPr lang="en-US"/>
           </a:p>
@@ -1249,7 +1249,7 @@
           <a:p>
             <a:fld id="{2418B073-DBA7-4B5C-8A0A-F57DFBA507F6}" type="datetimeFigureOut">
               <a:rPr lang="en-US" smtClean="0"/>
-              <a:t>12/13/2021</a:t>
+              <a:t>12/14/2021</a:t>
             </a:fld>
             <a:endParaRPr lang="en-US"/>
           </a:p>
@@ -1616,7 +1616,7 @@
           <a:p>
             <a:fld id="{2418B073-DBA7-4B5C-8A0A-F57DFBA507F6}" type="datetimeFigureOut">
               <a:rPr lang="en-US" smtClean="0"/>
-              <a:t>12/13/2021</a:t>
+              <a:t>12/14/2021</a:t>
             </a:fld>
             <a:endParaRPr lang="en-US"/>
           </a:p>
@@ -1734,7 +1734,7 @@
           <a:p>
             <a:fld id="{2418B073-DBA7-4B5C-8A0A-F57DFBA507F6}" type="datetimeFigureOut">
               <a:rPr lang="en-US" smtClean="0"/>
-              <a:t>12/13/2021</a:t>
+              <a:t>12/14/2021</a:t>
             </a:fld>
             <a:endParaRPr lang="en-US"/>
           </a:p>
@@ -1829,7 +1829,7 @@
           <a:p>
             <a:fld id="{2418B073-DBA7-4B5C-8A0A-F57DFBA507F6}" type="datetimeFigureOut">
               <a:rPr lang="en-US" smtClean="0"/>
-              <a:t>12/13/2021</a:t>
+              <a:t>12/14/2021</a:t>
             </a:fld>
             <a:endParaRPr lang="en-US"/>
           </a:p>
@@ -2106,7 +2106,7 @@
           <a:p>
             <a:fld id="{2418B073-DBA7-4B5C-8A0A-F57DFBA507F6}" type="datetimeFigureOut">
               <a:rPr lang="en-US" smtClean="0"/>
-              <a:t>12/13/2021</a:t>
+              <a:t>12/14/2021</a:t>
             </a:fld>
             <a:endParaRPr lang="en-US"/>
           </a:p>
@@ -2359,7 +2359,7 @@
           <a:p>
             <a:fld id="{2418B073-DBA7-4B5C-8A0A-F57DFBA507F6}" type="datetimeFigureOut">
               <a:rPr lang="en-US" smtClean="0"/>
-              <a:t>12/13/2021</a:t>
+              <a:t>12/14/2021</a:t>
             </a:fld>
             <a:endParaRPr lang="en-US"/>
           </a:p>
@@ -2572,7 +2572,7 @@
           <a:p>
             <a:fld id="{2418B073-DBA7-4B5C-8A0A-F57DFBA507F6}" type="datetimeFigureOut">
               <a:rPr lang="en-US" smtClean="0"/>
-              <a:t>12/13/2021</a:t>
+              <a:t>12/14/2021</a:t>
             </a:fld>
             <a:endParaRPr lang="en-US"/>
           </a:p>
@@ -3514,11 +3514,6 @@
               </a:rPr>
               <a:t>Control</a:t>
             </a:r>
-            <a:endParaRPr lang="en-US" dirty="0">
-              <a:solidFill>
-                <a:srgbClr val="002060"/>
-              </a:solidFill>
-            </a:endParaRPr>
           </a:p>
         </p:txBody>
       </p:sp>
@@ -3532,14 +3527,14 @@
             <p:ph idx="1"/>
             <p:extLst>
               <p:ext uri="{D42A27DB-BD31-4B8C-83A1-F6EECF244321}">
-                <p14:modId xmlns:p14="http://schemas.microsoft.com/office/powerpoint/2010/main" val="3598028292"/>
+                <p14:modId xmlns:p14="http://schemas.microsoft.com/office/powerpoint/2010/main" val="1083735972"/>
               </p:ext>
             </p:extLst>
           </p:nvPr>
         </p:nvGraphicFramePr>
         <p:xfrm>
           <a:off x="946670" y="1690688"/>
-          <a:ext cx="9348397" cy="4823456"/>
+          <a:ext cx="9692643" cy="4823456"/>
         </p:xfrm>
         <a:graphic>
           <a:graphicData uri="http://schemas.openxmlformats.org/drawingml/2006/table">
@@ -3548,8 +3543,8 @@
                 <a:tableStyleId>{5940675A-B579-460E-94D1-54222C63F5DA}</a:tableStyleId>
               </a:tblPr>
               <a:tblGrid>
-                <a:gridCol w="2073825"/>
-                <a:gridCol w="7274572"/>
+                <a:gridCol w="1731984"/>
+                <a:gridCol w="7960659"/>
               </a:tblGrid>
               <a:tr h="266279">
                 <a:tc>
@@ -3559,7 +3554,7 @@
                     <a:p>
                       <a:pPr algn="l" fontAlgn="t"/>
                       <a:r>
-                        <a:rPr lang="en-IN" dirty="0">
+                        <a:rPr lang="en-IN" b="1" dirty="0">
                           <a:solidFill>
                             <a:schemeClr val="accent4">
                               <a:lumMod val="75000"/>
@@ -3579,7 +3574,7 @@
                     <a:p>
                       <a:pPr algn="l" fontAlgn="t"/>
                       <a:r>
-                        <a:rPr lang="en-IN" dirty="0">
+                        <a:rPr lang="en-IN" b="1" dirty="0">
                           <a:solidFill>
                             <a:schemeClr val="accent4">
                               <a:lumMod val="75000"/>
@@ -4856,11 +4851,6 @@
               </a:rPr>
               <a:t>Literal Control?</a:t>
             </a:r>
-            <a:endParaRPr lang="en-US" dirty="0">
-              <a:solidFill>
-                <a:srgbClr val="002060"/>
-              </a:solidFill>
-            </a:endParaRPr>
           </a:p>
         </p:txBody>
       </p:sp>
@@ -5424,14 +5414,14 @@
             <p:ph idx="1"/>
             <p:extLst>
               <p:ext uri="{D42A27DB-BD31-4B8C-83A1-F6EECF244321}">
-                <p14:modId xmlns:p14="http://schemas.microsoft.com/office/powerpoint/2010/main" val="1722638110"/>
+                <p14:modId xmlns:p14="http://schemas.microsoft.com/office/powerpoint/2010/main" val="1711198328"/>
               </p:ext>
             </p:extLst>
           </p:nvPr>
         </p:nvGraphicFramePr>
         <p:xfrm>
           <a:off x="943741" y="1507808"/>
-          <a:ext cx="9084686" cy="5167002"/>
+          <a:ext cx="9781633" cy="5167002"/>
         </p:xfrm>
         <a:graphic>
           <a:graphicData uri="http://schemas.openxmlformats.org/drawingml/2006/table">
@@ -5440,8 +5430,8 @@
                 <a:tableStyleId>{5940675A-B579-460E-94D1-54222C63F5DA}</a:tableStyleId>
               </a:tblPr>
               <a:tblGrid>
-                <a:gridCol w="1328423"/>
-                <a:gridCol w="7756263"/>
+                <a:gridCol w="1734913"/>
+                <a:gridCol w="8046720"/>
               </a:tblGrid>
               <a:tr h="224016">
                 <a:tc>
@@ -5451,7 +5441,7 @@
                     <a:p>
                       <a:pPr algn="l" fontAlgn="t"/>
                       <a:r>
-                        <a:rPr lang="en-IN">
+                        <a:rPr lang="en-IN" b="1" dirty="0">
                           <a:solidFill>
                             <a:schemeClr val="accent4">
                               <a:lumMod val="75000"/>
@@ -5471,7 +5461,7 @@
                     <a:p>
                       <a:pPr algn="l" fontAlgn="t"/>
                       <a:r>
-                        <a:rPr lang="en-IN">
+                        <a:rPr lang="en-IN" b="1" dirty="0">
                           <a:solidFill>
                             <a:schemeClr val="accent4">
                               <a:lumMod val="75000"/>
